--- a/Documentacao/HierarquiaNavegacao.pptx
+++ b/Documentacao/HierarquiaNavegacao.pptx
@@ -243,7 +243,7 @@
           <a:p>
             <a:fld id="{6A0AA4D7-E0FE-4367-AF67-650CDA7E138C}" type="datetimeFigureOut">
               <a:rPr lang="pt-BR" smtClean="0"/>
-              <a:t>19/05/2018</a:t>
+              <a:t>03/06/2018</a:t>
             </a:fld>
             <a:endParaRPr lang="pt-BR"/>
           </a:p>
@@ -413,7 +413,7 @@
           <a:p>
             <a:fld id="{6A0AA4D7-E0FE-4367-AF67-650CDA7E138C}" type="datetimeFigureOut">
               <a:rPr lang="pt-BR" smtClean="0"/>
-              <a:t>19/05/2018</a:t>
+              <a:t>03/06/2018</a:t>
             </a:fld>
             <a:endParaRPr lang="pt-BR"/>
           </a:p>
@@ -593,7 +593,7 @@
           <a:p>
             <a:fld id="{6A0AA4D7-E0FE-4367-AF67-650CDA7E138C}" type="datetimeFigureOut">
               <a:rPr lang="pt-BR" smtClean="0"/>
-              <a:t>19/05/2018</a:t>
+              <a:t>03/06/2018</a:t>
             </a:fld>
             <a:endParaRPr lang="pt-BR"/>
           </a:p>
@@ -763,7 +763,7 @@
           <a:p>
             <a:fld id="{6A0AA4D7-E0FE-4367-AF67-650CDA7E138C}" type="datetimeFigureOut">
               <a:rPr lang="pt-BR" smtClean="0"/>
-              <a:t>19/05/2018</a:t>
+              <a:t>03/06/2018</a:t>
             </a:fld>
             <a:endParaRPr lang="pt-BR"/>
           </a:p>
@@ -1009,7 +1009,7 @@
           <a:p>
             <a:fld id="{6A0AA4D7-E0FE-4367-AF67-650CDA7E138C}" type="datetimeFigureOut">
               <a:rPr lang="pt-BR" smtClean="0"/>
-              <a:t>19/05/2018</a:t>
+              <a:t>03/06/2018</a:t>
             </a:fld>
             <a:endParaRPr lang="pt-BR"/>
           </a:p>
@@ -1241,7 +1241,7 @@
           <a:p>
             <a:fld id="{6A0AA4D7-E0FE-4367-AF67-650CDA7E138C}" type="datetimeFigureOut">
               <a:rPr lang="pt-BR" smtClean="0"/>
-              <a:t>19/05/2018</a:t>
+              <a:t>03/06/2018</a:t>
             </a:fld>
             <a:endParaRPr lang="pt-BR"/>
           </a:p>
@@ -1608,7 +1608,7 @@
           <a:p>
             <a:fld id="{6A0AA4D7-E0FE-4367-AF67-650CDA7E138C}" type="datetimeFigureOut">
               <a:rPr lang="pt-BR" smtClean="0"/>
-              <a:t>19/05/2018</a:t>
+              <a:t>03/06/2018</a:t>
             </a:fld>
             <a:endParaRPr lang="pt-BR"/>
           </a:p>
@@ -1726,7 +1726,7 @@
           <a:p>
             <a:fld id="{6A0AA4D7-E0FE-4367-AF67-650CDA7E138C}" type="datetimeFigureOut">
               <a:rPr lang="pt-BR" smtClean="0"/>
-              <a:t>19/05/2018</a:t>
+              <a:t>03/06/2018</a:t>
             </a:fld>
             <a:endParaRPr lang="pt-BR"/>
           </a:p>
@@ -1821,7 +1821,7 @@
           <a:p>
             <a:fld id="{6A0AA4D7-E0FE-4367-AF67-650CDA7E138C}" type="datetimeFigureOut">
               <a:rPr lang="pt-BR" smtClean="0"/>
-              <a:t>19/05/2018</a:t>
+              <a:t>03/06/2018</a:t>
             </a:fld>
             <a:endParaRPr lang="pt-BR"/>
           </a:p>
@@ -2098,7 +2098,7 @@
           <a:p>
             <a:fld id="{6A0AA4D7-E0FE-4367-AF67-650CDA7E138C}" type="datetimeFigureOut">
               <a:rPr lang="pt-BR" smtClean="0"/>
-              <a:t>19/05/2018</a:t>
+              <a:t>03/06/2018</a:t>
             </a:fld>
             <a:endParaRPr lang="pt-BR"/>
           </a:p>
@@ -2351,7 +2351,7 @@
           <a:p>
             <a:fld id="{6A0AA4D7-E0FE-4367-AF67-650CDA7E138C}" type="datetimeFigureOut">
               <a:rPr lang="pt-BR" smtClean="0"/>
-              <a:t>19/05/2018</a:t>
+              <a:t>03/06/2018</a:t>
             </a:fld>
             <a:endParaRPr lang="pt-BR"/>
           </a:p>
@@ -2564,7 +2564,7 @@
           <a:p>
             <a:fld id="{6A0AA4D7-E0FE-4367-AF67-650CDA7E138C}" type="datetimeFigureOut">
               <a:rPr lang="pt-BR" smtClean="0"/>
-              <a:t>19/05/2018</a:t>
+              <a:t>03/06/2018</a:t>
             </a:fld>
             <a:endParaRPr lang="pt-BR"/>
           </a:p>
@@ -2977,7 +2977,7 @@
         </p:nvSpPr>
         <p:spPr>
           <a:xfrm>
-            <a:off x="3958566" y="361395"/>
+            <a:off x="3557971" y="407105"/>
             <a:ext cx="1998617" cy="731519"/>
           </a:xfrm>
           <a:prstGeom prst="rect">
@@ -3058,13 +3058,13 @@
       </p:sp>
       <p:sp>
         <p:nvSpPr>
-          <p:cNvPr id="6" name="Retângulo 5"/>
+          <p:cNvPr id="9" name="Retângulo 8"/>
           <p:cNvSpPr/>
           <p:nvPr/>
         </p:nvSpPr>
         <p:spPr>
           <a:xfrm>
-            <a:off x="3958564" y="2926065"/>
+            <a:off x="5891867" y="1454321"/>
             <a:ext cx="1998617" cy="731519"/>
           </a:xfrm>
           <a:prstGeom prst="rect">
@@ -3094,20 +3094,57 @@
             <a:pPr algn="ctr"/>
             <a:r>
               <a:rPr lang="pt-BR" dirty="0" smtClean="0"/>
-              <a:t>Partidas (Confrontos)</a:t>
-            </a:r>
-          </a:p>
-        </p:txBody>
-      </p:sp>
-      <p:sp>
-        <p:nvSpPr>
-          <p:cNvPr id="9" name="Retângulo 8"/>
+              <a:t>Seleções</a:t>
+            </a:r>
+            <a:endParaRPr lang="pt-BR" dirty="0" smtClean="0"/>
+          </a:p>
+        </p:txBody>
+      </p:sp>
+      <p:cxnSp>
+        <p:nvCxnSpPr>
+          <p:cNvPr id="13" name="Conector Angulado 12"/>
+          <p:cNvCxnSpPr>
+            <a:stCxn id="4" idx="2"/>
+            <a:endCxn id="5" idx="0"/>
+          </p:cNvCxnSpPr>
+          <p:nvPr/>
+        </p:nvCxnSpPr>
+        <p:spPr>
+          <a:xfrm rot="5400000">
+            <a:off x="3199826" y="96868"/>
+            <a:ext cx="315698" cy="2399211"/>
+          </a:xfrm>
+          <a:prstGeom prst="bentConnector3">
+            <a:avLst/>
+          </a:prstGeom>
+          <a:ln>
+            <a:tailEnd type="triangle"/>
+          </a:ln>
+        </p:spPr>
+        <p:style>
+          <a:lnRef idx="1">
+            <a:schemeClr val="accent1"/>
+          </a:lnRef>
+          <a:fillRef idx="0">
+            <a:schemeClr val="accent1"/>
+          </a:fillRef>
+          <a:effectRef idx="0">
+            <a:schemeClr val="accent1"/>
+          </a:effectRef>
+          <a:fontRef idx="minor">
+            <a:schemeClr val="tx1"/>
+          </a:fontRef>
+        </p:style>
+      </p:cxnSp>
+      <p:sp>
+        <p:nvSpPr>
+          <p:cNvPr id="74" name="Retângulo 73"/>
           <p:cNvSpPr/>
           <p:nvPr/>
         </p:nvSpPr>
         <p:spPr>
           <a:xfrm>
-            <a:off x="1158757" y="2926065"/>
+            <a:off x="3557971" y="4058185"/>
             <a:ext cx="1998617" cy="731519"/>
           </a:xfrm>
           <a:prstGeom prst="rect">
@@ -3137,24 +3174,68 @@
             <a:pPr algn="ctr"/>
             <a:r>
               <a:rPr lang="pt-BR" dirty="0" smtClean="0"/>
-              <a:t>Times</a:t>
-            </a:r>
+              <a:t>Detalhe Jogador</a:t>
+            </a:r>
+          </a:p>
+        </p:txBody>
+      </p:sp>
+      <p:sp>
+        <p:nvSpPr>
+          <p:cNvPr id="33" name="Retângulo 32"/>
+          <p:cNvSpPr/>
+          <p:nvPr/>
+        </p:nvSpPr>
+        <p:spPr>
+          <a:xfrm>
+            <a:off x="3557972" y="2756253"/>
+            <a:ext cx="1998617" cy="731519"/>
+          </a:xfrm>
+          <a:prstGeom prst="rect">
+            <a:avLst/>
+          </a:prstGeom>
+        </p:spPr>
+        <p:style>
+          <a:lnRef idx="2">
+            <a:schemeClr val="accent1">
+              <a:shade val="50000"/>
+            </a:schemeClr>
+          </a:lnRef>
+          <a:fillRef idx="1">
+            <a:schemeClr val="accent1"/>
+          </a:fillRef>
+          <a:effectRef idx="0">
+            <a:schemeClr val="accent1"/>
+          </a:effectRef>
+          <a:fontRef idx="minor">
+            <a:schemeClr val="lt1"/>
+          </a:fontRef>
+        </p:style>
+        <p:txBody>
+          <a:bodyPr rtlCol="0" anchor="ctr"/>
+          <a:lstStyle/>
+          <a:p>
+            <a:pPr algn="ctr"/>
+            <a:r>
+              <a:rPr lang="pt-BR" dirty="0" smtClean="0"/>
+              <a:t>Seleção</a:t>
+            </a:r>
+            <a:endParaRPr lang="pt-BR" dirty="0" smtClean="0"/>
           </a:p>
         </p:txBody>
       </p:sp>
       <p:cxnSp>
         <p:nvCxnSpPr>
-          <p:cNvPr id="13" name="Conector Angulado 12"/>
+          <p:cNvPr id="20" name="Conector Angulado 19"/>
           <p:cNvCxnSpPr>
-            <a:stCxn id="4" idx="2"/>
-            <a:endCxn id="5" idx="0"/>
+            <a:stCxn id="5" idx="2"/>
+            <a:endCxn id="33" idx="0"/>
           </p:cNvCxnSpPr>
           <p:nvPr/>
         </p:nvCxnSpPr>
         <p:spPr>
-          <a:xfrm rot="5400000">
-            <a:off x="3377268" y="-126285"/>
-            <a:ext cx="361408" cy="2799806"/>
+          <a:xfrm rot="16200000" flipH="1">
+            <a:off x="3072469" y="1271441"/>
+            <a:ext cx="570412" cy="2399212"/>
           </a:xfrm>
           <a:prstGeom prst="bentConnector3">
             <a:avLst/>
@@ -3180,17 +3261,17 @@
       </p:cxnSp>
       <p:cxnSp>
         <p:nvCxnSpPr>
-          <p:cNvPr id="15" name="Conector Angulado 14"/>
+          <p:cNvPr id="26" name="Conector Angulado 25"/>
           <p:cNvCxnSpPr>
             <a:stCxn id="4" idx="2"/>
-            <a:endCxn id="6" idx="0"/>
+            <a:endCxn id="9" idx="0"/>
           </p:cNvCxnSpPr>
           <p:nvPr/>
         </p:nvCxnSpPr>
         <p:spPr>
-          <a:xfrm rot="5400000">
-            <a:off x="4041299" y="2009488"/>
-            <a:ext cx="1833151" cy="2"/>
+          <a:xfrm rot="16200000" flipH="1">
+            <a:off x="5566380" y="129524"/>
+            <a:ext cx="315697" cy="2333896"/>
           </a:xfrm>
           <a:prstGeom prst="bentConnector3">
             <a:avLst/>
@@ -3216,17 +3297,17 @@
       </p:cxnSp>
       <p:cxnSp>
         <p:nvCxnSpPr>
-          <p:cNvPr id="22" name="Conector Angulado 21"/>
+          <p:cNvPr id="28" name="Conector Angulado 27"/>
           <p:cNvCxnSpPr>
-            <a:stCxn id="5" idx="2"/>
-            <a:endCxn id="6" idx="0"/>
+            <a:stCxn id="9" idx="2"/>
+            <a:endCxn id="33" idx="0"/>
           </p:cNvCxnSpPr>
           <p:nvPr/>
         </p:nvCxnSpPr>
         <p:spPr>
-          <a:xfrm rot="16200000" flipH="1">
-            <a:off x="3187859" y="1156051"/>
-            <a:ext cx="740224" cy="2799804"/>
+          <a:xfrm rot="5400000">
+            <a:off x="5439023" y="1304099"/>
+            <a:ext cx="570413" cy="2333895"/>
           </a:xfrm>
           <a:prstGeom prst="bentConnector3">
             <a:avLst/>
@@ -3252,614 +3333,17 @@
       </p:cxnSp>
       <p:cxnSp>
         <p:nvCxnSpPr>
-          <p:cNvPr id="24" name="Conector Angulado 23"/>
+          <p:cNvPr id="32" name="Conector Angulado 31"/>
           <p:cNvCxnSpPr>
-            <a:stCxn id="5" idx="2"/>
-            <a:endCxn id="9" idx="0"/>
+            <a:stCxn id="33" idx="2"/>
+            <a:endCxn id="74" idx="0"/>
           </p:cNvCxnSpPr>
           <p:nvPr/>
         </p:nvCxnSpPr>
         <p:spPr>
           <a:xfrm rot="5400000">
-            <a:off x="1787956" y="2555952"/>
-            <a:ext cx="740224" cy="3"/>
-          </a:xfrm>
-          <a:prstGeom prst="bentConnector3">
-            <a:avLst/>
-          </a:prstGeom>
-          <a:ln>
-            <a:tailEnd type="triangle"/>
-          </a:ln>
-        </p:spPr>
-        <p:style>
-          <a:lnRef idx="1">
-            <a:schemeClr val="accent1"/>
-          </a:lnRef>
-          <a:fillRef idx="0">
-            <a:schemeClr val="accent1"/>
-          </a:fillRef>
-          <a:effectRef idx="0">
-            <a:schemeClr val="accent1"/>
-          </a:effectRef>
-          <a:fontRef idx="minor">
-            <a:schemeClr val="tx1"/>
-          </a:fontRef>
-        </p:style>
-      </p:cxnSp>
-      <p:sp>
-        <p:nvSpPr>
-          <p:cNvPr id="54" name="Retângulo 53"/>
-          <p:cNvSpPr/>
-          <p:nvPr/>
-        </p:nvSpPr>
-        <p:spPr>
-          <a:xfrm>
-            <a:off x="4957872" y="4489248"/>
-            <a:ext cx="1998617" cy="731519"/>
-          </a:xfrm>
-          <a:prstGeom prst="rect">
-            <a:avLst/>
-          </a:prstGeom>
-        </p:spPr>
-        <p:style>
-          <a:lnRef idx="2">
-            <a:schemeClr val="accent1">
-              <a:shade val="50000"/>
-            </a:schemeClr>
-          </a:lnRef>
-          <a:fillRef idx="1">
-            <a:schemeClr val="accent1"/>
-          </a:fillRef>
-          <a:effectRef idx="0">
-            <a:schemeClr val="accent1"/>
-          </a:effectRef>
-          <a:fontRef idx="minor">
-            <a:schemeClr val="lt1"/>
-          </a:fontRef>
-        </p:style>
-        <p:txBody>
-          <a:bodyPr rtlCol="0" anchor="ctr"/>
-          <a:lstStyle/>
-          <a:p>
-            <a:pPr algn="ctr"/>
-            <a:r>
-              <a:rPr lang="pt-BR" dirty="0" smtClean="0"/>
-              <a:t>Detalhes da partida</a:t>
-            </a:r>
-          </a:p>
-        </p:txBody>
-      </p:sp>
-      <p:cxnSp>
-        <p:nvCxnSpPr>
-          <p:cNvPr id="71" name="Conector Angulado 70"/>
-          <p:cNvCxnSpPr>
-            <a:stCxn id="6" idx="2"/>
-            <a:endCxn id="54" idx="0"/>
-          </p:cNvCxnSpPr>
-          <p:nvPr/>
-        </p:nvCxnSpPr>
-        <p:spPr>
-          <a:xfrm rot="16200000" flipH="1">
-            <a:off x="5041695" y="3573762"/>
-            <a:ext cx="831664" cy="999308"/>
-          </a:xfrm>
-          <a:prstGeom prst="bentConnector3">
-            <a:avLst/>
-          </a:prstGeom>
-          <a:ln>
-            <a:tailEnd type="triangle"/>
-          </a:ln>
-        </p:spPr>
-        <p:style>
-          <a:lnRef idx="1">
-            <a:schemeClr val="accent1"/>
-          </a:lnRef>
-          <a:fillRef idx="0">
-            <a:schemeClr val="accent1"/>
-          </a:fillRef>
-          <a:effectRef idx="0">
-            <a:schemeClr val="accent1"/>
-          </a:effectRef>
-          <a:fontRef idx="minor">
-            <a:schemeClr val="tx1"/>
-          </a:fontRef>
-        </p:style>
-      </p:cxnSp>
-      <p:sp>
-        <p:nvSpPr>
-          <p:cNvPr id="74" name="Retângulo 73"/>
-          <p:cNvSpPr/>
-          <p:nvPr/>
-        </p:nvSpPr>
-        <p:spPr>
-          <a:xfrm>
-            <a:off x="159448" y="4489248"/>
-            <a:ext cx="1998617" cy="731519"/>
-          </a:xfrm>
-          <a:prstGeom prst="rect">
-            <a:avLst/>
-          </a:prstGeom>
-        </p:spPr>
-        <p:style>
-          <a:lnRef idx="2">
-            <a:schemeClr val="accent1">
-              <a:shade val="50000"/>
-            </a:schemeClr>
-          </a:lnRef>
-          <a:fillRef idx="1">
-            <a:schemeClr val="accent1"/>
-          </a:fillRef>
-          <a:effectRef idx="0">
-            <a:schemeClr val="accent1"/>
-          </a:effectRef>
-          <a:fontRef idx="minor">
-            <a:schemeClr val="lt1"/>
-          </a:fontRef>
-        </p:style>
-        <p:txBody>
-          <a:bodyPr rtlCol="0" anchor="ctr"/>
-          <a:lstStyle/>
-          <a:p>
-            <a:pPr algn="ctr"/>
-            <a:r>
-              <a:rPr lang="pt-BR" dirty="0" smtClean="0"/>
-              <a:t>Detalhe Jogador</a:t>
-            </a:r>
-          </a:p>
-        </p:txBody>
-      </p:sp>
-      <p:sp>
-        <p:nvSpPr>
-          <p:cNvPr id="75" name="Retângulo 74"/>
-          <p:cNvSpPr/>
-          <p:nvPr/>
-        </p:nvSpPr>
-        <p:spPr>
-          <a:xfrm>
-            <a:off x="2558662" y="5490735"/>
-            <a:ext cx="1998617" cy="731519"/>
-          </a:xfrm>
-          <a:prstGeom prst="rect">
-            <a:avLst/>
-          </a:prstGeom>
-        </p:spPr>
-        <p:style>
-          <a:lnRef idx="2">
-            <a:schemeClr val="accent1">
-              <a:shade val="50000"/>
-            </a:schemeClr>
-          </a:lnRef>
-          <a:fillRef idx="1">
-            <a:schemeClr val="accent1"/>
-          </a:fillRef>
-          <a:effectRef idx="0">
-            <a:schemeClr val="accent1"/>
-          </a:effectRef>
-          <a:fontRef idx="minor">
-            <a:schemeClr val="lt1"/>
-          </a:fontRef>
-        </p:style>
-        <p:txBody>
-          <a:bodyPr rtlCol="0" anchor="ctr"/>
-          <a:lstStyle/>
-          <a:p>
-            <a:pPr algn="ctr"/>
-            <a:r>
-              <a:rPr lang="pt-BR" dirty="0" smtClean="0"/>
-              <a:t>Detalhe Jogador na partida</a:t>
-            </a:r>
-          </a:p>
-        </p:txBody>
-      </p:sp>
-      <p:cxnSp>
-        <p:nvCxnSpPr>
-          <p:cNvPr id="77" name="Conector Angulado 76"/>
-          <p:cNvCxnSpPr>
-            <a:stCxn id="9" idx="2"/>
-          </p:cNvCxnSpPr>
-          <p:nvPr/>
-        </p:nvCxnSpPr>
-        <p:spPr>
-          <a:xfrm rot="5400000">
-            <a:off x="1242580" y="3573762"/>
-            <a:ext cx="831664" cy="999309"/>
-          </a:xfrm>
-          <a:prstGeom prst="bentConnector3">
-            <a:avLst/>
-          </a:prstGeom>
-          <a:ln>
-            <a:tailEnd type="triangle"/>
-          </a:ln>
-        </p:spPr>
-        <p:style>
-          <a:lnRef idx="1">
-            <a:schemeClr val="accent1"/>
-          </a:lnRef>
-          <a:fillRef idx="0">
-            <a:schemeClr val="accent1"/>
-          </a:fillRef>
-          <a:effectRef idx="0">
-            <a:schemeClr val="accent1"/>
-          </a:effectRef>
-          <a:fontRef idx="minor">
-            <a:schemeClr val="tx1"/>
-          </a:fontRef>
-        </p:style>
-      </p:cxnSp>
-      <p:cxnSp>
-        <p:nvCxnSpPr>
-          <p:cNvPr id="81" name="Conector Angulado 80"/>
-          <p:cNvCxnSpPr>
-            <a:stCxn id="74" idx="3"/>
-            <a:endCxn id="75" idx="0"/>
-          </p:cNvCxnSpPr>
-          <p:nvPr/>
-        </p:nvCxnSpPr>
-        <p:spPr>
-          <a:xfrm>
-            <a:off x="2158065" y="4855008"/>
-            <a:ext cx="1399906" cy="635727"/>
-          </a:xfrm>
-          <a:prstGeom prst="bentConnector2">
-            <a:avLst/>
-          </a:prstGeom>
-          <a:ln>
-            <a:tailEnd type="triangle"/>
-          </a:ln>
-        </p:spPr>
-        <p:style>
-          <a:lnRef idx="1">
-            <a:schemeClr val="accent1"/>
-          </a:lnRef>
-          <a:fillRef idx="0">
-            <a:schemeClr val="accent1"/>
-          </a:fillRef>
-          <a:effectRef idx="0">
-            <a:schemeClr val="accent1"/>
-          </a:effectRef>
-          <a:fontRef idx="minor">
-            <a:schemeClr val="tx1"/>
-          </a:fontRef>
-        </p:style>
-      </p:cxnSp>
-      <p:cxnSp>
-        <p:nvCxnSpPr>
-          <p:cNvPr id="83" name="Conector Angulado 82"/>
-          <p:cNvCxnSpPr>
-            <a:stCxn id="54" idx="1"/>
-            <a:endCxn id="75" idx="0"/>
-          </p:cNvCxnSpPr>
-          <p:nvPr/>
-        </p:nvCxnSpPr>
-        <p:spPr>
-          <a:xfrm rot="10800000" flipV="1">
-            <a:off x="3557972" y="4855007"/>
-            <a:ext cx="1399901" cy="635727"/>
-          </a:xfrm>
-          <a:prstGeom prst="bentConnector2">
-            <a:avLst/>
-          </a:prstGeom>
-          <a:ln>
-            <a:tailEnd type="triangle"/>
-          </a:ln>
-        </p:spPr>
-        <p:style>
-          <a:lnRef idx="1">
-            <a:schemeClr val="accent1"/>
-          </a:lnRef>
-          <a:fillRef idx="0">
-            <a:schemeClr val="accent1"/>
-          </a:fillRef>
-          <a:effectRef idx="0">
-            <a:schemeClr val="accent1"/>
-          </a:effectRef>
-          <a:fontRef idx="minor">
-            <a:schemeClr val="tx1"/>
-          </a:fontRef>
-        </p:style>
-      </p:cxnSp>
-      <p:sp>
-        <p:nvSpPr>
-          <p:cNvPr id="92" name="Retângulo 91"/>
-          <p:cNvSpPr/>
-          <p:nvPr/>
-        </p:nvSpPr>
-        <p:spPr>
-          <a:xfrm>
-            <a:off x="10088842" y="1532698"/>
-            <a:ext cx="1998617" cy="731519"/>
-          </a:xfrm>
-          <a:prstGeom prst="rect">
-            <a:avLst/>
-          </a:prstGeom>
-        </p:spPr>
-        <p:style>
-          <a:lnRef idx="2">
-            <a:schemeClr val="accent1">
-              <a:shade val="50000"/>
-            </a:schemeClr>
-          </a:lnRef>
-          <a:fillRef idx="1">
-            <a:schemeClr val="accent1"/>
-          </a:fillRef>
-          <a:effectRef idx="0">
-            <a:schemeClr val="accent1"/>
-          </a:effectRef>
-          <a:fontRef idx="minor">
-            <a:schemeClr val="lt1"/>
-          </a:fontRef>
-        </p:style>
-        <p:txBody>
-          <a:bodyPr rtlCol="0" anchor="ctr"/>
-          <a:lstStyle/>
-          <a:p>
-            <a:pPr algn="ctr"/>
-            <a:r>
-              <a:rPr lang="pt-BR" dirty="0" smtClean="0"/>
-              <a:t>CRUD de partidas</a:t>
-            </a:r>
-          </a:p>
-        </p:txBody>
-      </p:sp>
-      <p:sp>
-        <p:nvSpPr>
-          <p:cNvPr id="93" name="Retângulo 92"/>
-          <p:cNvSpPr/>
-          <p:nvPr/>
-        </p:nvSpPr>
-        <p:spPr>
-          <a:xfrm>
-            <a:off x="10088841" y="3219984"/>
-            <a:ext cx="1998617" cy="731519"/>
-          </a:xfrm>
-          <a:prstGeom prst="rect">
-            <a:avLst/>
-          </a:prstGeom>
-        </p:spPr>
-        <p:style>
-          <a:lnRef idx="2">
-            <a:schemeClr val="accent1">
-              <a:shade val="50000"/>
-            </a:schemeClr>
-          </a:lnRef>
-          <a:fillRef idx="1">
-            <a:schemeClr val="accent1"/>
-          </a:fillRef>
-          <a:effectRef idx="0">
-            <a:schemeClr val="accent1"/>
-          </a:effectRef>
-          <a:fontRef idx="minor">
-            <a:schemeClr val="lt1"/>
-          </a:fontRef>
-        </p:style>
-        <p:txBody>
-          <a:bodyPr rtlCol="0" anchor="ctr"/>
-          <a:lstStyle/>
-          <a:p>
-            <a:pPr algn="ctr"/>
-            <a:r>
-              <a:rPr lang="pt-BR" dirty="0" smtClean="0"/>
-              <a:t>CRUD de detalhe de partidas</a:t>
-            </a:r>
-          </a:p>
-        </p:txBody>
-      </p:sp>
-      <p:sp>
-        <p:nvSpPr>
-          <p:cNvPr id="94" name="Retângulo 93"/>
-          <p:cNvSpPr/>
-          <p:nvPr/>
-        </p:nvSpPr>
-        <p:spPr>
-          <a:xfrm>
-            <a:off x="10088840" y="5037899"/>
-            <a:ext cx="1998617" cy="731519"/>
-          </a:xfrm>
-          <a:prstGeom prst="rect">
-            <a:avLst/>
-          </a:prstGeom>
-        </p:spPr>
-        <p:style>
-          <a:lnRef idx="2">
-            <a:schemeClr val="accent1">
-              <a:shade val="50000"/>
-            </a:schemeClr>
-          </a:lnRef>
-          <a:fillRef idx="1">
-            <a:schemeClr val="accent1"/>
-          </a:fillRef>
-          <a:effectRef idx="0">
-            <a:schemeClr val="accent1"/>
-          </a:effectRef>
-          <a:fontRef idx="minor">
-            <a:schemeClr val="lt1"/>
-          </a:fontRef>
-        </p:style>
-        <p:txBody>
-          <a:bodyPr rtlCol="0" anchor="ctr"/>
-          <a:lstStyle/>
-          <a:p>
-            <a:pPr algn="ctr"/>
-            <a:r>
-              <a:rPr lang="pt-BR" dirty="0" smtClean="0"/>
-              <a:t>CRUD de detalhe de jogador</a:t>
-            </a:r>
-          </a:p>
-        </p:txBody>
-      </p:sp>
-      <p:cxnSp>
-        <p:nvCxnSpPr>
-          <p:cNvPr id="95" name="Conector Angulado 94"/>
-          <p:cNvCxnSpPr>
-            <a:stCxn id="92" idx="2"/>
-            <a:endCxn id="93" idx="0"/>
-          </p:cNvCxnSpPr>
-          <p:nvPr/>
-        </p:nvCxnSpPr>
-        <p:spPr>
-          <a:xfrm rot="5400000">
-            <a:off x="10610268" y="2742100"/>
-            <a:ext cx="955767" cy="1"/>
-          </a:xfrm>
-          <a:prstGeom prst="bentConnector3">
-            <a:avLst/>
-          </a:prstGeom>
-          <a:ln>
-            <a:tailEnd type="triangle"/>
-          </a:ln>
-        </p:spPr>
-        <p:style>
-          <a:lnRef idx="1">
-            <a:schemeClr val="accent1"/>
-          </a:lnRef>
-          <a:fillRef idx="0">
-            <a:schemeClr val="accent1"/>
-          </a:fillRef>
-          <a:effectRef idx="0">
-            <a:schemeClr val="accent1"/>
-          </a:effectRef>
-          <a:fontRef idx="minor">
-            <a:schemeClr val="tx1"/>
-          </a:fontRef>
-        </p:style>
-      </p:cxnSp>
-      <p:cxnSp>
-        <p:nvCxnSpPr>
-          <p:cNvPr id="96" name="Conector Angulado 95"/>
-          <p:cNvCxnSpPr>
-            <a:stCxn id="93" idx="2"/>
-            <a:endCxn id="94" idx="0"/>
-          </p:cNvCxnSpPr>
-          <p:nvPr/>
-        </p:nvCxnSpPr>
-        <p:spPr>
-          <a:xfrm rot="5400000">
-            <a:off x="10544952" y="4494701"/>
-            <a:ext cx="1086396" cy="1"/>
-          </a:xfrm>
-          <a:prstGeom prst="bentConnector3">
-            <a:avLst/>
-          </a:prstGeom>
-          <a:ln>
-            <a:tailEnd type="triangle"/>
-          </a:ln>
-        </p:spPr>
-        <p:style>
-          <a:lnRef idx="1">
-            <a:schemeClr val="accent1"/>
-          </a:lnRef>
-          <a:fillRef idx="0">
-            <a:schemeClr val="accent1"/>
-          </a:fillRef>
-          <a:effectRef idx="0">
-            <a:schemeClr val="accent1"/>
-          </a:effectRef>
-          <a:fontRef idx="minor">
-            <a:schemeClr val="tx1"/>
-          </a:fontRef>
-        </p:style>
-      </p:cxnSp>
-      <p:sp>
-        <p:nvSpPr>
-          <p:cNvPr id="23" name="Retângulo 22"/>
-          <p:cNvSpPr/>
-          <p:nvPr/>
-        </p:nvSpPr>
-        <p:spPr>
-          <a:xfrm>
-            <a:off x="7523354" y="1539219"/>
-            <a:ext cx="1998617" cy="731519"/>
-          </a:xfrm>
-          <a:prstGeom prst="rect">
-            <a:avLst/>
-          </a:prstGeom>
-        </p:spPr>
-        <p:style>
-          <a:lnRef idx="2">
-            <a:schemeClr val="accent1">
-              <a:shade val="50000"/>
-            </a:schemeClr>
-          </a:lnRef>
-          <a:fillRef idx="1">
-            <a:schemeClr val="accent1"/>
-          </a:fillRef>
-          <a:effectRef idx="0">
-            <a:schemeClr val="accent1"/>
-          </a:effectRef>
-          <a:fontRef idx="minor">
-            <a:schemeClr val="lt1"/>
-          </a:fontRef>
-        </p:style>
-        <p:txBody>
-          <a:bodyPr rtlCol="0" anchor="ctr"/>
-          <a:lstStyle/>
-          <a:p>
-            <a:pPr algn="ctr"/>
-            <a:r>
-              <a:rPr lang="pt-BR" dirty="0" smtClean="0"/>
-              <a:t>Configurações</a:t>
-            </a:r>
-            <a:endParaRPr lang="pt-BR" dirty="0" smtClean="0"/>
-          </a:p>
-        </p:txBody>
-      </p:sp>
-      <p:sp>
-        <p:nvSpPr>
-          <p:cNvPr id="25" name="Retângulo 24"/>
-          <p:cNvSpPr/>
-          <p:nvPr/>
-        </p:nvSpPr>
-        <p:spPr>
-          <a:xfrm>
-            <a:off x="7523353" y="3233044"/>
-            <a:ext cx="1998617" cy="731519"/>
-          </a:xfrm>
-          <a:prstGeom prst="rect">
-            <a:avLst/>
-          </a:prstGeom>
-        </p:spPr>
-        <p:style>
-          <a:lnRef idx="2">
-            <a:schemeClr val="accent1">
-              <a:shade val="50000"/>
-            </a:schemeClr>
-          </a:lnRef>
-          <a:fillRef idx="1">
-            <a:schemeClr val="accent1"/>
-          </a:fillRef>
-          <a:effectRef idx="0">
-            <a:schemeClr val="accent1"/>
-          </a:effectRef>
-          <a:fontRef idx="minor">
-            <a:schemeClr val="lt1"/>
-          </a:fontRef>
-        </p:style>
-        <p:txBody>
-          <a:bodyPr rtlCol="0" anchor="ctr"/>
-          <a:lstStyle/>
-          <a:p>
-            <a:pPr algn="ctr"/>
-            <a:r>
-              <a:rPr lang="pt-BR" dirty="0" smtClean="0"/>
-              <a:t>Notificações</a:t>
-            </a:r>
-            <a:endParaRPr lang="pt-BR" dirty="0" smtClean="0"/>
-          </a:p>
-        </p:txBody>
-      </p:sp>
-      <p:cxnSp>
-        <p:nvCxnSpPr>
-          <p:cNvPr id="3" name="Conector Angulado 2"/>
-          <p:cNvCxnSpPr>
-            <a:stCxn id="23" idx="2"/>
-            <a:endCxn id="25" idx="0"/>
-          </p:cNvCxnSpPr>
-          <p:nvPr/>
-        </p:nvCxnSpPr>
-        <p:spPr>
-          <a:xfrm rot="5400000">
-            <a:off x="8041510" y="2751891"/>
-            <a:ext cx="962306" cy="1"/>
+            <a:off x="4272075" y="3772978"/>
+            <a:ext cx="570413" cy="1"/>
           </a:xfrm>
           <a:prstGeom prst="bentConnector3">
             <a:avLst/>
